--- a/examples/output/text_formatting.pptx
+++ b/examples/output/text_formatting.pptx
@@ -310,52 +310,52 @@
             </a:pPr>
             <a:r>
               <a:rPr lang="en-US" sz="2800" b="0" i="0" dirty="0"/>
-              <a:t>TITLE: 44 (44pt)</a:t>
-            </a:r>
-          </a:p>
-          <a:p>
-            <a:pPr lvl="0" marL="457200" indent="-457200">
-              <a:buChar char="•"/>
-            </a:pPr>
-            <a:r>
-              <a:rPr lang="en-US" sz="2800" b="0" i="0" dirty="0"/>
-              <a:t>SUBTITLE: 32 (32pt)</a:t>
-            </a:r>
-          </a:p>
-          <a:p>
-            <a:pPr lvl="0" marL="457200" indent="-457200">
-              <a:buChar char="•"/>
-            </a:pPr>
-            <a:r>
-              <a:rPr lang="en-US" sz="2800" b="0" i="0" dirty="0"/>
-              <a:t>HEADING: 28 (28pt)</a:t>
-            </a:r>
-          </a:p>
-          <a:p>
-            <a:pPr lvl="0" marL="457200" indent="-457200">
-              <a:buChar char="•"/>
-            </a:pPr>
-            <a:r>
-              <a:rPr lang="en-US" sz="2800" b="0" i="0" dirty="0"/>
-              <a:t>BODY: 18 (18pt)</a:t>
-            </a:r>
-          </a:p>
-          <a:p>
-            <a:pPr lvl="0" marL="457200" indent="-457200">
-              <a:buChar char="•"/>
-            </a:pPr>
-            <a:r>
-              <a:rPr lang="en-US" sz="2800" b="0" i="0" dirty="0"/>
-              <a:t>SMALL: 14 (14pt)</a:t>
-            </a:r>
-          </a:p>
-          <a:p>
-            <a:pPr lvl="0" marL="457200" indent="-457200">
-              <a:buChar char="•"/>
-            </a:pPr>
-            <a:r>
-              <a:rPr lang="en-US" sz="2800" b="0" i="0" dirty="0"/>
-              <a:t>CAPTION: 12 (12pt)</a:t>
+              <a:t>TITLE: 44pt - For main titles</a:t>
+            </a:r>
+          </a:p>
+          <a:p>
+            <a:pPr lvl="0" marL="457200" indent="-457200">
+              <a:buChar char="•"/>
+            </a:pPr>
+            <a:r>
+              <a:rPr lang="en-US" sz="2800" b="0" i="0" dirty="0"/>
+              <a:t>SUBTITLE: 32pt - For subtitles</a:t>
+            </a:r>
+          </a:p>
+          <a:p>
+            <a:pPr lvl="0" marL="457200" indent="-457200">
+              <a:buChar char="•"/>
+            </a:pPr>
+            <a:r>
+              <a:rPr lang="en-US" sz="2800" b="0" i="0" dirty="0"/>
+              <a:t>HEADING: 28pt - For section headers</a:t>
+            </a:r>
+          </a:p>
+          <a:p>
+            <a:pPr lvl="0" marL="457200" indent="-457200">
+              <a:buChar char="•"/>
+            </a:pPr>
+            <a:r>
+              <a:rPr lang="en-US" sz="2800" b="0" i="0" dirty="0"/>
+              <a:t>BODY: 18pt - For regular content</a:t>
+            </a:r>
+          </a:p>
+          <a:p>
+            <a:pPr lvl="0" marL="457200" indent="-457200">
+              <a:buChar char="•"/>
+            </a:pPr>
+            <a:r>
+              <a:rPr lang="en-US" sz="2800" b="0" i="0" dirty="0"/>
+              <a:t>SMALL: 14pt - For smaller text</a:t>
+            </a:r>
+          </a:p>
+          <a:p>
+            <a:pPr lvl="0" marL="457200" indent="-457200">
+              <a:buChar char="•"/>
+            </a:pPr>
+            <a:r>
+              <a:rPr lang="en-US" sz="2800" b="0" i="0" dirty="0"/>
+              <a:t>CAPTION: 12pt - For captions</a:t>
             </a:r>
           </a:p>
         </p:txBody>
